--- a/06-HTTP-Request-With-React-Native/01-Sourcing-Album-Data.pptx
+++ b/06-HTTP-Request-With-React-Native/01-Sourcing-Album-Data.pptx
@@ -225,7 +225,7 @@
           <a:p>
             <a:fld id="{A46CB205-DB7A-4E82-ACCC-8D6B1E676091}" type="datetimeFigureOut">
               <a:rPr lang="en-US" smtClean="0"/>
-              <a:t>9/12/2017</a:t>
+              <a:t>10/19/2017</a:t>
             </a:fld>
             <a:endParaRPr lang="en-US"/>
           </a:p>
@@ -390,7 +390,7 @@
           <a:p>
             <a:fld id="{B2C0E428-1BEE-4A93-9F4D-553B85161DE7}" type="datetimeFigureOut">
               <a:rPr lang="en-US" smtClean="0"/>
-              <a:t>9/12/2017</a:t>
+              <a:t>10/19/2017</a:t>
             </a:fld>
             <a:endParaRPr lang="en-US"/>
           </a:p>
@@ -912,7 +912,7 @@
           <a:p>
             <a:fld id="{64AC52D6-6171-4E55-BA4D-986D1942EAAE}" type="datetimeFigureOut">
               <a:rPr lang="id-ID" smtClean="0"/>
-              <a:t>12/09/2017</a:t>
+              <a:t>19/10/2017</a:t>
             </a:fld>
             <a:endParaRPr lang="id-ID"/>
           </a:p>
@@ -1236,7 +1236,7 @@
           <a:p>
             <a:fld id="{64AC52D6-6171-4E55-BA4D-986D1942EAAE}" type="datetimeFigureOut">
               <a:rPr lang="id-ID" smtClean="0"/>
-              <a:t>12/09/2017</a:t>
+              <a:t>19/10/2017</a:t>
             </a:fld>
             <a:endParaRPr lang="id-ID"/>
           </a:p>
@@ -1436,7 +1436,7 @@
           <a:p>
             <a:fld id="{64AC52D6-6171-4E55-BA4D-986D1942EAAE}" type="datetimeFigureOut">
               <a:rPr lang="id-ID" smtClean="0"/>
-              <a:t>12/09/2017</a:t>
+              <a:t>19/10/2017</a:t>
             </a:fld>
             <a:endParaRPr lang="id-ID"/>
           </a:p>
@@ -1646,7 +1646,7 @@
           <a:p>
             <a:fld id="{64AC52D6-6171-4E55-BA4D-986D1942EAAE}" type="datetimeFigureOut">
               <a:rPr lang="id-ID" smtClean="0"/>
-              <a:t>12/09/2017</a:t>
+              <a:t>19/10/2017</a:t>
             </a:fld>
             <a:endParaRPr lang="id-ID"/>
           </a:p>
@@ -1891,7 +1891,7 @@
           <a:p>
             <a:fld id="{64AC52D6-6171-4E55-BA4D-986D1942EAAE}" type="datetimeFigureOut">
               <a:rPr lang="id-ID" smtClean="0"/>
-              <a:t>12/09/2017</a:t>
+              <a:t>19/10/2017</a:t>
             </a:fld>
             <a:endParaRPr lang="id-ID"/>
           </a:p>
@@ -2062,7 +2062,7 @@
           <a:p>
             <a:fld id="{64AC52D6-6171-4E55-BA4D-986D1942EAAE}" type="datetimeFigureOut">
               <a:rPr lang="id-ID" smtClean="0"/>
-              <a:t>12/09/2017</a:t>
+              <a:t>19/10/2017</a:t>
             </a:fld>
             <a:endParaRPr lang="id-ID"/>
           </a:p>
@@ -2493,7 +2493,7 @@
           <a:p>
             <a:fld id="{64AC52D6-6171-4E55-BA4D-986D1942EAAE}" type="datetimeFigureOut">
               <a:rPr lang="id-ID" smtClean="0"/>
-              <a:t>12/09/2017</a:t>
+              <a:t>19/10/2017</a:t>
             </a:fld>
             <a:endParaRPr lang="id-ID"/>
           </a:p>
@@ -2827,7 +2827,7 @@
           <a:p>
             <a:fld id="{64AC52D6-6171-4E55-BA4D-986D1942EAAE}" type="datetimeFigureOut">
               <a:rPr lang="id-ID" smtClean="0"/>
-              <a:t>12/09/2017</a:t>
+              <a:t>19/10/2017</a:t>
             </a:fld>
             <a:endParaRPr lang="id-ID"/>
           </a:p>
@@ -3304,7 +3304,7 @@
           <a:p>
             <a:fld id="{64AC52D6-6171-4E55-BA4D-986D1942EAAE}" type="datetimeFigureOut">
               <a:rPr lang="id-ID" smtClean="0"/>
-              <a:t>12/09/2017</a:t>
+              <a:t>19/10/2017</a:t>
             </a:fld>
             <a:endParaRPr lang="id-ID"/>
           </a:p>
@@ -3452,7 +3452,7 @@
           <a:p>
             <a:fld id="{64AC52D6-6171-4E55-BA4D-986D1942EAAE}" type="datetimeFigureOut">
               <a:rPr lang="id-ID" smtClean="0"/>
-              <a:t>12/09/2017</a:t>
+              <a:t>19/10/2017</a:t>
             </a:fld>
             <a:endParaRPr lang="id-ID"/>
           </a:p>
@@ -3577,7 +3577,7 @@
           <a:p>
             <a:fld id="{64AC52D6-6171-4E55-BA4D-986D1942EAAE}" type="datetimeFigureOut">
               <a:rPr lang="id-ID" smtClean="0"/>
-              <a:t>12/09/2017</a:t>
+              <a:t>19/10/2017</a:t>
             </a:fld>
             <a:endParaRPr lang="id-ID"/>
           </a:p>
@@ -3884,7 +3884,7 @@
           <a:p>
             <a:fld id="{64AC52D6-6171-4E55-BA4D-986D1942EAAE}" type="datetimeFigureOut">
               <a:rPr lang="id-ID" smtClean="0"/>
-              <a:t>12/09/2017</a:t>
+              <a:t>19/10/2017</a:t>
             </a:fld>
             <a:endParaRPr lang="id-ID"/>
           </a:p>
@@ -4095,7 +4095,7 @@
           <a:p>
             <a:fld id="{64AC52D6-6171-4E55-BA4D-986D1942EAAE}" type="datetimeFigureOut">
               <a:rPr lang="id-ID" smtClean="0"/>
-              <a:t>12/09/2017</a:t>
+              <a:t>19/10/2017</a:t>
             </a:fld>
             <a:endParaRPr lang="id-ID"/>
           </a:p>
@@ -4724,6 +4724,286 @@
   <p:clrMapOvr>
     <a:masterClrMapping/>
   </p:clrMapOvr>
+  <p:transition spd="slow">
+    <p:push dir="u"/>
+  </p:transition>
+  <p:timing>
+    <p:tnLst>
+      <p:par>
+        <p:cTn id="1" dur="indefinite" restart="never" nodeType="tmRoot">
+          <p:childTnLst>
+            <p:seq concurrent="1" nextAc="seek">
+              <p:cTn id="2" dur="indefinite" nodeType="mainSeq">
+                <p:childTnLst>
+                  <p:par>
+                    <p:cTn id="3" fill="hold">
+                      <p:stCondLst>
+                        <p:cond delay="indefinite"/>
+                      </p:stCondLst>
+                      <p:childTnLst>
+                        <p:par>
+                          <p:cTn id="4" fill="hold">
+                            <p:stCondLst>
+                              <p:cond delay="0"/>
+                            </p:stCondLst>
+                            <p:childTnLst>
+                              <p:par>
+                                <p:cTn id="5" presetID="10" presetClass="entr" presetSubtype="0" fill="hold" grpId="0" nodeType="clickEffect">
+                                  <p:stCondLst>
+                                    <p:cond delay="0"/>
+                                  </p:stCondLst>
+                                  <p:childTnLst>
+                                    <p:set>
+                                      <p:cBhvr>
+                                        <p:cTn id="6" dur="1" fill="hold">
+                                          <p:stCondLst>
+                                            <p:cond delay="0"/>
+                                          </p:stCondLst>
+                                        </p:cTn>
+                                        <p:tgtEl>
+                                          <p:spTgt spid="3">
+                                            <p:txEl>
+                                              <p:pRg st="0" end="0"/>
+                                            </p:txEl>
+                                          </p:spTgt>
+                                        </p:tgtEl>
+                                        <p:attrNameLst>
+                                          <p:attrName>style.visibility</p:attrName>
+                                        </p:attrNameLst>
+                                      </p:cBhvr>
+                                      <p:to>
+                                        <p:strVal val="visible"/>
+                                      </p:to>
+                                    </p:set>
+                                    <p:animEffect transition="in" filter="fade">
+                                      <p:cBhvr>
+                                        <p:cTn id="7" dur="500"/>
+                                        <p:tgtEl>
+                                          <p:spTgt spid="3">
+                                            <p:txEl>
+                                              <p:pRg st="0" end="0"/>
+                                            </p:txEl>
+                                          </p:spTgt>
+                                        </p:tgtEl>
+                                      </p:cBhvr>
+                                    </p:animEffect>
+                                  </p:childTnLst>
+                                </p:cTn>
+                              </p:par>
+                            </p:childTnLst>
+                          </p:cTn>
+                        </p:par>
+                      </p:childTnLst>
+                    </p:cTn>
+                  </p:par>
+                  <p:par>
+                    <p:cTn id="8" fill="hold">
+                      <p:stCondLst>
+                        <p:cond delay="indefinite"/>
+                      </p:stCondLst>
+                      <p:childTnLst>
+                        <p:par>
+                          <p:cTn id="9" fill="hold">
+                            <p:stCondLst>
+                              <p:cond delay="0"/>
+                            </p:stCondLst>
+                            <p:childTnLst>
+                              <p:par>
+                                <p:cTn id="10" presetID="10" presetClass="entr" presetSubtype="0" fill="hold" grpId="0" nodeType="clickEffect">
+                                  <p:stCondLst>
+                                    <p:cond delay="0"/>
+                                  </p:stCondLst>
+                                  <p:childTnLst>
+                                    <p:set>
+                                      <p:cBhvr>
+                                        <p:cTn id="11" dur="1" fill="hold">
+                                          <p:stCondLst>
+                                            <p:cond delay="0"/>
+                                          </p:stCondLst>
+                                        </p:cTn>
+                                        <p:tgtEl>
+                                          <p:spTgt spid="3">
+                                            <p:txEl>
+                                              <p:pRg st="1" end="1"/>
+                                            </p:txEl>
+                                          </p:spTgt>
+                                        </p:tgtEl>
+                                        <p:attrNameLst>
+                                          <p:attrName>style.visibility</p:attrName>
+                                        </p:attrNameLst>
+                                      </p:cBhvr>
+                                      <p:to>
+                                        <p:strVal val="visible"/>
+                                      </p:to>
+                                    </p:set>
+                                    <p:animEffect transition="in" filter="fade">
+                                      <p:cBhvr>
+                                        <p:cTn id="12" dur="500"/>
+                                        <p:tgtEl>
+                                          <p:spTgt spid="3">
+                                            <p:txEl>
+                                              <p:pRg st="1" end="1"/>
+                                            </p:txEl>
+                                          </p:spTgt>
+                                        </p:tgtEl>
+                                      </p:cBhvr>
+                                    </p:animEffect>
+                                  </p:childTnLst>
+                                </p:cTn>
+                              </p:par>
+                            </p:childTnLst>
+                          </p:cTn>
+                        </p:par>
+                      </p:childTnLst>
+                    </p:cTn>
+                  </p:par>
+                  <p:par>
+                    <p:cTn id="13" fill="hold">
+                      <p:stCondLst>
+                        <p:cond delay="indefinite"/>
+                      </p:stCondLst>
+                      <p:childTnLst>
+                        <p:par>
+                          <p:cTn id="14" fill="hold">
+                            <p:stCondLst>
+                              <p:cond delay="0"/>
+                            </p:stCondLst>
+                            <p:childTnLst>
+                              <p:par>
+                                <p:cTn id="15" presetID="10" presetClass="entr" presetSubtype="0" fill="hold" grpId="0" nodeType="clickEffect">
+                                  <p:stCondLst>
+                                    <p:cond delay="0"/>
+                                  </p:stCondLst>
+                                  <p:childTnLst>
+                                    <p:set>
+                                      <p:cBhvr>
+                                        <p:cTn id="16" dur="1" fill="hold">
+                                          <p:stCondLst>
+                                            <p:cond delay="0"/>
+                                          </p:stCondLst>
+                                        </p:cTn>
+                                        <p:tgtEl>
+                                          <p:spTgt spid="3">
+                                            <p:txEl>
+                                              <p:pRg st="2" end="2"/>
+                                            </p:txEl>
+                                          </p:spTgt>
+                                        </p:tgtEl>
+                                        <p:attrNameLst>
+                                          <p:attrName>style.visibility</p:attrName>
+                                        </p:attrNameLst>
+                                      </p:cBhvr>
+                                      <p:to>
+                                        <p:strVal val="visible"/>
+                                      </p:to>
+                                    </p:set>
+                                    <p:animEffect transition="in" filter="fade">
+                                      <p:cBhvr>
+                                        <p:cTn id="17" dur="500"/>
+                                        <p:tgtEl>
+                                          <p:spTgt spid="3">
+                                            <p:txEl>
+                                              <p:pRg st="2" end="2"/>
+                                            </p:txEl>
+                                          </p:spTgt>
+                                        </p:tgtEl>
+                                      </p:cBhvr>
+                                    </p:animEffect>
+                                  </p:childTnLst>
+                                </p:cTn>
+                              </p:par>
+                            </p:childTnLst>
+                          </p:cTn>
+                        </p:par>
+                      </p:childTnLst>
+                    </p:cTn>
+                  </p:par>
+                  <p:par>
+                    <p:cTn id="18" fill="hold">
+                      <p:stCondLst>
+                        <p:cond delay="indefinite"/>
+                      </p:stCondLst>
+                      <p:childTnLst>
+                        <p:par>
+                          <p:cTn id="19" fill="hold">
+                            <p:stCondLst>
+                              <p:cond delay="0"/>
+                            </p:stCondLst>
+                            <p:childTnLst>
+                              <p:par>
+                                <p:cTn id="20" presetID="10" presetClass="entr" presetSubtype="0" fill="hold" grpId="0" nodeType="clickEffect">
+                                  <p:stCondLst>
+                                    <p:cond delay="0"/>
+                                  </p:stCondLst>
+                                  <p:childTnLst>
+                                    <p:set>
+                                      <p:cBhvr>
+                                        <p:cTn id="21" dur="1" fill="hold">
+                                          <p:stCondLst>
+                                            <p:cond delay="0"/>
+                                          </p:stCondLst>
+                                        </p:cTn>
+                                        <p:tgtEl>
+                                          <p:spTgt spid="3">
+                                            <p:txEl>
+                                              <p:pRg st="3" end="3"/>
+                                            </p:txEl>
+                                          </p:spTgt>
+                                        </p:tgtEl>
+                                        <p:attrNameLst>
+                                          <p:attrName>style.visibility</p:attrName>
+                                        </p:attrNameLst>
+                                      </p:cBhvr>
+                                      <p:to>
+                                        <p:strVal val="visible"/>
+                                      </p:to>
+                                    </p:set>
+                                    <p:animEffect transition="in" filter="fade">
+                                      <p:cBhvr>
+                                        <p:cTn id="22" dur="500"/>
+                                        <p:tgtEl>
+                                          <p:spTgt spid="3">
+                                            <p:txEl>
+                                              <p:pRg st="3" end="3"/>
+                                            </p:txEl>
+                                          </p:spTgt>
+                                        </p:tgtEl>
+                                      </p:cBhvr>
+                                    </p:animEffect>
+                                  </p:childTnLst>
+                                </p:cTn>
+                              </p:par>
+                            </p:childTnLst>
+                          </p:cTn>
+                        </p:par>
+                      </p:childTnLst>
+                    </p:cTn>
+                  </p:par>
+                </p:childTnLst>
+              </p:cTn>
+              <p:prevCondLst>
+                <p:cond evt="onPrev" delay="0">
+                  <p:tgtEl>
+                    <p:sldTgt/>
+                  </p:tgtEl>
+                </p:cond>
+              </p:prevCondLst>
+              <p:nextCondLst>
+                <p:cond evt="onNext" delay="0">
+                  <p:tgtEl>
+                    <p:sldTgt/>
+                  </p:tgtEl>
+                </p:cond>
+              </p:nextCondLst>
+            </p:seq>
+          </p:childTnLst>
+        </p:cTn>
+      </p:par>
+    </p:tnLst>
+    <p:bldLst>
+      <p:bldP spid="3" grpId="0" build="p"/>
+    </p:bldLst>
+  </p:timing>
 </p:sld>
 </file>
 
@@ -4845,6 +5125,9 @@
   <p:clrMapOvr>
     <a:masterClrMapping/>
   </p:clrMapOvr>
+  <p:transition spd="slow">
+    <p:push dir="u"/>
+  </p:transition>
 </p:sld>
 </file>
 
@@ -4937,6 +5220,164 @@
   <p:clrMapOvr>
     <a:masterClrMapping/>
   </p:clrMapOvr>
+  <p:transition spd="slow">
+    <p:push dir="u"/>
+  </p:transition>
+  <p:timing>
+    <p:tnLst>
+      <p:par>
+        <p:cTn id="1" dur="indefinite" restart="never" nodeType="tmRoot">
+          <p:childTnLst>
+            <p:seq concurrent="1" nextAc="seek">
+              <p:cTn id="2" dur="indefinite" nodeType="mainSeq">
+                <p:childTnLst>
+                  <p:par>
+                    <p:cTn id="3" fill="hold">
+                      <p:stCondLst>
+                        <p:cond delay="indefinite"/>
+                      </p:stCondLst>
+                      <p:childTnLst>
+                        <p:par>
+                          <p:cTn id="4" fill="hold">
+                            <p:stCondLst>
+                              <p:cond delay="0"/>
+                            </p:stCondLst>
+                            <p:childTnLst>
+                              <p:par>
+                                <p:cTn id="5" presetID="10" presetClass="entr" presetSubtype="0" fill="hold" grpId="0" nodeType="clickEffect">
+                                  <p:stCondLst>
+                                    <p:cond delay="0"/>
+                                  </p:stCondLst>
+                                  <p:childTnLst>
+                                    <p:set>
+                                      <p:cBhvr>
+                                        <p:cTn id="6" dur="1" fill="hold">
+                                          <p:stCondLst>
+                                            <p:cond delay="0"/>
+                                          </p:stCondLst>
+                                        </p:cTn>
+                                        <p:tgtEl>
+                                          <p:spTgt spid="3">
+                                            <p:txEl>
+                                              <p:pRg st="0" end="0"/>
+                                            </p:txEl>
+                                          </p:spTgt>
+                                        </p:tgtEl>
+                                        <p:attrNameLst>
+                                          <p:attrName>style.visibility</p:attrName>
+                                        </p:attrNameLst>
+                                      </p:cBhvr>
+                                      <p:to>
+                                        <p:strVal val="visible"/>
+                                      </p:to>
+                                    </p:set>
+                                    <p:animEffect transition="in" filter="fade">
+                                      <p:cBhvr>
+                                        <p:cTn id="7" dur="500"/>
+                                        <p:tgtEl>
+                                          <p:spTgt spid="3">
+                                            <p:txEl>
+                                              <p:pRg st="0" end="0"/>
+                                            </p:txEl>
+                                          </p:spTgt>
+                                        </p:tgtEl>
+                                      </p:cBhvr>
+                                    </p:animEffect>
+                                  </p:childTnLst>
+                                </p:cTn>
+                              </p:par>
+                            </p:childTnLst>
+                          </p:cTn>
+                        </p:par>
+                      </p:childTnLst>
+                    </p:cTn>
+                  </p:par>
+                  <p:par>
+                    <p:cTn id="8" fill="hold">
+                      <p:stCondLst>
+                        <p:cond delay="indefinite"/>
+                      </p:stCondLst>
+                      <p:childTnLst>
+                        <p:par>
+                          <p:cTn id="9" fill="hold">
+                            <p:stCondLst>
+                              <p:cond delay="0"/>
+                            </p:stCondLst>
+                            <p:childTnLst>
+                              <p:par>
+                                <p:cTn id="10" presetID="10" presetClass="entr" presetSubtype="0" fill="hold" grpId="0" nodeType="clickEffect">
+                                  <p:stCondLst>
+                                    <p:cond delay="0"/>
+                                  </p:stCondLst>
+                                  <p:childTnLst>
+                                    <p:set>
+                                      <p:cBhvr>
+                                        <p:cTn id="11" dur="1" fill="hold">
+                                          <p:stCondLst>
+                                            <p:cond delay="0"/>
+                                          </p:stCondLst>
+                                        </p:cTn>
+                                        <p:tgtEl>
+                                          <p:spTgt spid="3">
+                                            <p:txEl>
+                                              <p:pRg st="1" end="1"/>
+                                            </p:txEl>
+                                          </p:spTgt>
+                                        </p:tgtEl>
+                                        <p:attrNameLst>
+                                          <p:attrName>style.visibility</p:attrName>
+                                        </p:attrNameLst>
+                                      </p:cBhvr>
+                                      <p:to>
+                                        <p:strVal val="visible"/>
+                                      </p:to>
+                                    </p:set>
+                                    <p:animEffect transition="in" filter="fade">
+                                      <p:cBhvr>
+                                        <p:cTn id="12" dur="500"/>
+                                        <p:tgtEl>
+                                          <p:spTgt spid="3">
+                                            <p:txEl>
+                                              <p:pRg st="1" end="1"/>
+                                            </p:txEl>
+                                          </p:spTgt>
+                                        </p:tgtEl>
+                                      </p:cBhvr>
+                                    </p:animEffect>
+                                  </p:childTnLst>
+                                </p:cTn>
+                              </p:par>
+                            </p:childTnLst>
+                          </p:cTn>
+                        </p:par>
+                      </p:childTnLst>
+                    </p:cTn>
+                  </p:par>
+                </p:childTnLst>
+              </p:cTn>
+              <p:prevCondLst>
+                <p:cond evt="onPrev" delay="0">
+                  <p:tgtEl>
+                    <p:sldTgt/>
+                  </p:tgtEl>
+                </p:cond>
+              </p:prevCondLst>
+              <p:nextCondLst>
+                <p:cond evt="onNext" delay="0">
+                  <p:tgtEl>
+                    <p:sldTgt/>
+                  </p:tgtEl>
+                </p:cond>
+              </p:nextCondLst>
+            </p:seq>
+          </p:childTnLst>
+        </p:cTn>
+      </p:par>
+    </p:tnLst>
+    <p:bldLst>
+      <p:bldP spid="3" grpId="0" build="p"/>
+    </p:bldLst>
+  </p:timing>
 </p:sld>
 </file>
 
@@ -5029,6 +5470,164 @@
   <p:clrMapOvr>
     <a:masterClrMapping/>
   </p:clrMapOvr>
+  <p:transition spd="slow">
+    <p:push dir="u"/>
+  </p:transition>
+  <p:timing>
+    <p:tnLst>
+      <p:par>
+        <p:cTn id="1" dur="indefinite" restart="never" nodeType="tmRoot">
+          <p:childTnLst>
+            <p:seq concurrent="1" nextAc="seek">
+              <p:cTn id="2" dur="indefinite" nodeType="mainSeq">
+                <p:childTnLst>
+                  <p:par>
+                    <p:cTn id="3" fill="hold">
+                      <p:stCondLst>
+                        <p:cond delay="indefinite"/>
+                      </p:stCondLst>
+                      <p:childTnLst>
+                        <p:par>
+                          <p:cTn id="4" fill="hold">
+                            <p:stCondLst>
+                              <p:cond delay="0"/>
+                            </p:stCondLst>
+                            <p:childTnLst>
+                              <p:par>
+                                <p:cTn id="5" presetID="10" presetClass="entr" presetSubtype="0" fill="hold" grpId="0" nodeType="clickEffect">
+                                  <p:stCondLst>
+                                    <p:cond delay="0"/>
+                                  </p:stCondLst>
+                                  <p:childTnLst>
+                                    <p:set>
+                                      <p:cBhvr>
+                                        <p:cTn id="6" dur="1" fill="hold">
+                                          <p:stCondLst>
+                                            <p:cond delay="0"/>
+                                          </p:stCondLst>
+                                        </p:cTn>
+                                        <p:tgtEl>
+                                          <p:spTgt spid="3">
+                                            <p:txEl>
+                                              <p:pRg st="0" end="0"/>
+                                            </p:txEl>
+                                          </p:spTgt>
+                                        </p:tgtEl>
+                                        <p:attrNameLst>
+                                          <p:attrName>style.visibility</p:attrName>
+                                        </p:attrNameLst>
+                                      </p:cBhvr>
+                                      <p:to>
+                                        <p:strVal val="visible"/>
+                                      </p:to>
+                                    </p:set>
+                                    <p:animEffect transition="in" filter="fade">
+                                      <p:cBhvr>
+                                        <p:cTn id="7" dur="500"/>
+                                        <p:tgtEl>
+                                          <p:spTgt spid="3">
+                                            <p:txEl>
+                                              <p:pRg st="0" end="0"/>
+                                            </p:txEl>
+                                          </p:spTgt>
+                                        </p:tgtEl>
+                                      </p:cBhvr>
+                                    </p:animEffect>
+                                  </p:childTnLst>
+                                </p:cTn>
+                              </p:par>
+                            </p:childTnLst>
+                          </p:cTn>
+                        </p:par>
+                      </p:childTnLst>
+                    </p:cTn>
+                  </p:par>
+                  <p:par>
+                    <p:cTn id="8" fill="hold">
+                      <p:stCondLst>
+                        <p:cond delay="indefinite"/>
+                      </p:stCondLst>
+                      <p:childTnLst>
+                        <p:par>
+                          <p:cTn id="9" fill="hold">
+                            <p:stCondLst>
+                              <p:cond delay="0"/>
+                            </p:stCondLst>
+                            <p:childTnLst>
+                              <p:par>
+                                <p:cTn id="10" presetID="10" presetClass="entr" presetSubtype="0" fill="hold" grpId="0" nodeType="clickEffect">
+                                  <p:stCondLst>
+                                    <p:cond delay="0"/>
+                                  </p:stCondLst>
+                                  <p:childTnLst>
+                                    <p:set>
+                                      <p:cBhvr>
+                                        <p:cTn id="11" dur="1" fill="hold">
+                                          <p:stCondLst>
+                                            <p:cond delay="0"/>
+                                          </p:stCondLst>
+                                        </p:cTn>
+                                        <p:tgtEl>
+                                          <p:spTgt spid="3">
+                                            <p:txEl>
+                                              <p:pRg st="1" end="1"/>
+                                            </p:txEl>
+                                          </p:spTgt>
+                                        </p:tgtEl>
+                                        <p:attrNameLst>
+                                          <p:attrName>style.visibility</p:attrName>
+                                        </p:attrNameLst>
+                                      </p:cBhvr>
+                                      <p:to>
+                                        <p:strVal val="visible"/>
+                                      </p:to>
+                                    </p:set>
+                                    <p:animEffect transition="in" filter="fade">
+                                      <p:cBhvr>
+                                        <p:cTn id="12" dur="500"/>
+                                        <p:tgtEl>
+                                          <p:spTgt spid="3">
+                                            <p:txEl>
+                                              <p:pRg st="1" end="1"/>
+                                            </p:txEl>
+                                          </p:spTgt>
+                                        </p:tgtEl>
+                                      </p:cBhvr>
+                                    </p:animEffect>
+                                  </p:childTnLst>
+                                </p:cTn>
+                              </p:par>
+                            </p:childTnLst>
+                          </p:cTn>
+                        </p:par>
+                      </p:childTnLst>
+                    </p:cTn>
+                  </p:par>
+                </p:childTnLst>
+              </p:cTn>
+              <p:prevCondLst>
+                <p:cond evt="onPrev" delay="0">
+                  <p:tgtEl>
+                    <p:sldTgt/>
+                  </p:tgtEl>
+                </p:cond>
+              </p:prevCondLst>
+              <p:nextCondLst>
+                <p:cond evt="onNext" delay="0">
+                  <p:tgtEl>
+                    <p:sldTgt/>
+                  </p:tgtEl>
+                </p:cond>
+              </p:nextCondLst>
+            </p:seq>
+          </p:childTnLst>
+        </p:cTn>
+      </p:par>
+    </p:tnLst>
+    <p:bldLst>
+      <p:bldP spid="3" grpId="0" build="p"/>
+    </p:bldLst>
+  </p:timing>
 </p:sld>
 </file>
 
@@ -5160,6 +5759,164 @@
   <p:clrMapOvr>
     <a:masterClrMapping/>
   </p:clrMapOvr>
+  <p:transition spd="slow">
+    <p:push dir="u"/>
+  </p:transition>
+  <p:timing>
+    <p:tnLst>
+      <p:par>
+        <p:cTn id="1" dur="indefinite" restart="never" nodeType="tmRoot">
+          <p:childTnLst>
+            <p:seq concurrent="1" nextAc="seek">
+              <p:cTn id="2" dur="indefinite" nodeType="mainSeq">
+                <p:childTnLst>
+                  <p:par>
+                    <p:cTn id="3" fill="hold">
+                      <p:stCondLst>
+                        <p:cond delay="indefinite"/>
+                      </p:stCondLst>
+                      <p:childTnLst>
+                        <p:par>
+                          <p:cTn id="4" fill="hold">
+                            <p:stCondLst>
+                              <p:cond delay="0"/>
+                            </p:stCondLst>
+                            <p:childTnLst>
+                              <p:par>
+                                <p:cTn id="5" presetID="10" presetClass="entr" presetSubtype="0" fill="hold" grpId="0" nodeType="clickEffect">
+                                  <p:stCondLst>
+                                    <p:cond delay="0"/>
+                                  </p:stCondLst>
+                                  <p:childTnLst>
+                                    <p:set>
+                                      <p:cBhvr>
+                                        <p:cTn id="6" dur="1" fill="hold">
+                                          <p:stCondLst>
+                                            <p:cond delay="0"/>
+                                          </p:stCondLst>
+                                        </p:cTn>
+                                        <p:tgtEl>
+                                          <p:spTgt spid="3">
+                                            <p:txEl>
+                                              <p:pRg st="0" end="0"/>
+                                            </p:txEl>
+                                          </p:spTgt>
+                                        </p:tgtEl>
+                                        <p:attrNameLst>
+                                          <p:attrName>style.visibility</p:attrName>
+                                        </p:attrNameLst>
+                                      </p:cBhvr>
+                                      <p:to>
+                                        <p:strVal val="visible"/>
+                                      </p:to>
+                                    </p:set>
+                                    <p:animEffect transition="in" filter="fade">
+                                      <p:cBhvr>
+                                        <p:cTn id="7" dur="500"/>
+                                        <p:tgtEl>
+                                          <p:spTgt spid="3">
+                                            <p:txEl>
+                                              <p:pRg st="0" end="0"/>
+                                            </p:txEl>
+                                          </p:spTgt>
+                                        </p:tgtEl>
+                                      </p:cBhvr>
+                                    </p:animEffect>
+                                  </p:childTnLst>
+                                </p:cTn>
+                              </p:par>
+                            </p:childTnLst>
+                          </p:cTn>
+                        </p:par>
+                      </p:childTnLst>
+                    </p:cTn>
+                  </p:par>
+                  <p:par>
+                    <p:cTn id="8" fill="hold">
+                      <p:stCondLst>
+                        <p:cond delay="indefinite"/>
+                      </p:stCondLst>
+                      <p:childTnLst>
+                        <p:par>
+                          <p:cTn id="9" fill="hold">
+                            <p:stCondLst>
+                              <p:cond delay="0"/>
+                            </p:stCondLst>
+                            <p:childTnLst>
+                              <p:par>
+                                <p:cTn id="10" presetID="10" presetClass="entr" presetSubtype="0" fill="hold" grpId="0" nodeType="clickEffect">
+                                  <p:stCondLst>
+                                    <p:cond delay="0"/>
+                                  </p:stCondLst>
+                                  <p:childTnLst>
+                                    <p:set>
+                                      <p:cBhvr>
+                                        <p:cTn id="11" dur="1" fill="hold">
+                                          <p:stCondLst>
+                                            <p:cond delay="0"/>
+                                          </p:stCondLst>
+                                        </p:cTn>
+                                        <p:tgtEl>
+                                          <p:spTgt spid="3">
+                                            <p:txEl>
+                                              <p:pRg st="1" end="1"/>
+                                            </p:txEl>
+                                          </p:spTgt>
+                                        </p:tgtEl>
+                                        <p:attrNameLst>
+                                          <p:attrName>style.visibility</p:attrName>
+                                        </p:attrNameLst>
+                                      </p:cBhvr>
+                                      <p:to>
+                                        <p:strVal val="visible"/>
+                                      </p:to>
+                                    </p:set>
+                                    <p:animEffect transition="in" filter="fade">
+                                      <p:cBhvr>
+                                        <p:cTn id="12" dur="500"/>
+                                        <p:tgtEl>
+                                          <p:spTgt spid="3">
+                                            <p:txEl>
+                                              <p:pRg st="1" end="1"/>
+                                            </p:txEl>
+                                          </p:spTgt>
+                                        </p:tgtEl>
+                                      </p:cBhvr>
+                                    </p:animEffect>
+                                  </p:childTnLst>
+                                </p:cTn>
+                              </p:par>
+                            </p:childTnLst>
+                          </p:cTn>
+                        </p:par>
+                      </p:childTnLst>
+                    </p:cTn>
+                  </p:par>
+                </p:childTnLst>
+              </p:cTn>
+              <p:prevCondLst>
+                <p:cond evt="onPrev" delay="0">
+                  <p:tgtEl>
+                    <p:sldTgt/>
+                  </p:tgtEl>
+                </p:cond>
+              </p:prevCondLst>
+              <p:nextCondLst>
+                <p:cond evt="onNext" delay="0">
+                  <p:tgtEl>
+                    <p:sldTgt/>
+                  </p:tgtEl>
+                </p:cond>
+              </p:nextCondLst>
+            </p:seq>
+          </p:childTnLst>
+        </p:cTn>
+      </p:par>
+    </p:tnLst>
+    <p:bldLst>
+      <p:bldP spid="3" grpId="0" build="p"/>
+    </p:bldLst>
+  </p:timing>
 </p:sld>
 </file>
 
@@ -5252,6 +6009,164 @@
   <p:clrMapOvr>
     <a:masterClrMapping/>
   </p:clrMapOvr>
+  <p:transition spd="slow">
+    <p:push dir="u"/>
+  </p:transition>
+  <p:timing>
+    <p:tnLst>
+      <p:par>
+        <p:cTn id="1" dur="indefinite" restart="never" nodeType="tmRoot">
+          <p:childTnLst>
+            <p:seq concurrent="1" nextAc="seek">
+              <p:cTn id="2" dur="indefinite" nodeType="mainSeq">
+                <p:childTnLst>
+                  <p:par>
+                    <p:cTn id="3" fill="hold">
+                      <p:stCondLst>
+                        <p:cond delay="indefinite"/>
+                      </p:stCondLst>
+                      <p:childTnLst>
+                        <p:par>
+                          <p:cTn id="4" fill="hold">
+                            <p:stCondLst>
+                              <p:cond delay="0"/>
+                            </p:stCondLst>
+                            <p:childTnLst>
+                              <p:par>
+                                <p:cTn id="5" presetID="10" presetClass="entr" presetSubtype="0" fill="hold" grpId="0" nodeType="clickEffect">
+                                  <p:stCondLst>
+                                    <p:cond delay="0"/>
+                                  </p:stCondLst>
+                                  <p:childTnLst>
+                                    <p:set>
+                                      <p:cBhvr>
+                                        <p:cTn id="6" dur="1" fill="hold">
+                                          <p:stCondLst>
+                                            <p:cond delay="0"/>
+                                          </p:stCondLst>
+                                        </p:cTn>
+                                        <p:tgtEl>
+                                          <p:spTgt spid="3">
+                                            <p:txEl>
+                                              <p:pRg st="0" end="0"/>
+                                            </p:txEl>
+                                          </p:spTgt>
+                                        </p:tgtEl>
+                                        <p:attrNameLst>
+                                          <p:attrName>style.visibility</p:attrName>
+                                        </p:attrNameLst>
+                                      </p:cBhvr>
+                                      <p:to>
+                                        <p:strVal val="visible"/>
+                                      </p:to>
+                                    </p:set>
+                                    <p:animEffect transition="in" filter="fade">
+                                      <p:cBhvr>
+                                        <p:cTn id="7" dur="500"/>
+                                        <p:tgtEl>
+                                          <p:spTgt spid="3">
+                                            <p:txEl>
+                                              <p:pRg st="0" end="0"/>
+                                            </p:txEl>
+                                          </p:spTgt>
+                                        </p:tgtEl>
+                                      </p:cBhvr>
+                                    </p:animEffect>
+                                  </p:childTnLst>
+                                </p:cTn>
+                              </p:par>
+                            </p:childTnLst>
+                          </p:cTn>
+                        </p:par>
+                      </p:childTnLst>
+                    </p:cTn>
+                  </p:par>
+                  <p:par>
+                    <p:cTn id="8" fill="hold">
+                      <p:stCondLst>
+                        <p:cond delay="indefinite"/>
+                      </p:stCondLst>
+                      <p:childTnLst>
+                        <p:par>
+                          <p:cTn id="9" fill="hold">
+                            <p:stCondLst>
+                              <p:cond delay="0"/>
+                            </p:stCondLst>
+                            <p:childTnLst>
+                              <p:par>
+                                <p:cTn id="10" presetID="10" presetClass="entr" presetSubtype="0" fill="hold" grpId="0" nodeType="clickEffect">
+                                  <p:stCondLst>
+                                    <p:cond delay="0"/>
+                                  </p:stCondLst>
+                                  <p:childTnLst>
+                                    <p:set>
+                                      <p:cBhvr>
+                                        <p:cTn id="11" dur="1" fill="hold">
+                                          <p:stCondLst>
+                                            <p:cond delay="0"/>
+                                          </p:stCondLst>
+                                        </p:cTn>
+                                        <p:tgtEl>
+                                          <p:spTgt spid="3">
+                                            <p:txEl>
+                                              <p:pRg st="1" end="1"/>
+                                            </p:txEl>
+                                          </p:spTgt>
+                                        </p:tgtEl>
+                                        <p:attrNameLst>
+                                          <p:attrName>style.visibility</p:attrName>
+                                        </p:attrNameLst>
+                                      </p:cBhvr>
+                                      <p:to>
+                                        <p:strVal val="visible"/>
+                                      </p:to>
+                                    </p:set>
+                                    <p:animEffect transition="in" filter="fade">
+                                      <p:cBhvr>
+                                        <p:cTn id="12" dur="500"/>
+                                        <p:tgtEl>
+                                          <p:spTgt spid="3">
+                                            <p:txEl>
+                                              <p:pRg st="1" end="1"/>
+                                            </p:txEl>
+                                          </p:spTgt>
+                                        </p:tgtEl>
+                                      </p:cBhvr>
+                                    </p:animEffect>
+                                  </p:childTnLst>
+                                </p:cTn>
+                              </p:par>
+                            </p:childTnLst>
+                          </p:cTn>
+                        </p:par>
+                      </p:childTnLst>
+                    </p:cTn>
+                  </p:par>
+                </p:childTnLst>
+              </p:cTn>
+              <p:prevCondLst>
+                <p:cond evt="onPrev" delay="0">
+                  <p:tgtEl>
+                    <p:sldTgt/>
+                  </p:tgtEl>
+                </p:cond>
+              </p:prevCondLst>
+              <p:nextCondLst>
+                <p:cond evt="onNext" delay="0">
+                  <p:tgtEl>
+                    <p:sldTgt/>
+                  </p:tgtEl>
+                </p:cond>
+              </p:nextCondLst>
+            </p:seq>
+          </p:childTnLst>
+        </p:cTn>
+      </p:par>
+    </p:tnLst>
+    <p:bldLst>
+      <p:bldP spid="3" grpId="0" build="p"/>
+    </p:bldLst>
+  </p:timing>
 </p:sld>
 </file>
 
@@ -5370,6 +6285,9 @@
   <p:clrMapOvr>
     <a:masterClrMapping/>
   </p:clrMapOvr>
+  <p:transition spd="slow">
+    <p:push dir="u"/>
+  </p:transition>
 </p:sld>
 </file>
 
